--- a/notes/Lecture_04.pptx
+++ b/notes/Lecture_04.pptx
@@ -37547,7 +37547,7 @@
           <a:p>
             <a:r>
               <a:rPr lang="en-US" dirty="0"/>
-              <a:t>CS499 - Open Source software development</a:t>
+              <a:t>Open Source software development</a:t>
             </a:r>
           </a:p>
         </p:txBody>
